--- a/resources/medias/edit_visuals.pptx
+++ b/resources/medias/edit_visuals.pptx
@@ -7282,7 +7282,7 @@
         </p:blipFill>
         <p:spPr>
           <a:xfrm>
-            <a:off x="1933229" y="2051184"/>
+            <a:off x="1409054" y="1875285"/>
             <a:ext cx="7517019" cy="2755631"/>
           </a:xfrm>
           <a:prstGeom prst="rect">

--- a/resources/medias/edit_visuals.pptx
+++ b/resources/medias/edit_visuals.pptx
@@ -431,7 +431,7 @@
           <a:p>
             <a:fld id="{638941B0-F4D5-4460-BCAD-F7E2B41A8257}" type="datetimeFigureOut">
               <a:rPr lang="fr-FR" smtClean="0"/>
-              <a:t>02/08/2024</a:t>
+              <a:t>03/08/2024</a:t>
             </a:fld>
             <a:endParaRPr lang="fr-FR"/>
           </a:p>
@@ -599,7 +599,7 @@
           <a:p>
             <a:fld id="{638941B0-F4D5-4460-BCAD-F7E2B41A8257}" type="datetimeFigureOut">
               <a:rPr lang="fr-FR" smtClean="0"/>
-              <a:t>02/08/2024</a:t>
+              <a:t>03/08/2024</a:t>
             </a:fld>
             <a:endParaRPr lang="fr-FR"/>
           </a:p>
@@ -777,7 +777,7 @@
           <a:p>
             <a:fld id="{638941B0-F4D5-4460-BCAD-F7E2B41A8257}" type="datetimeFigureOut">
               <a:rPr lang="fr-FR" smtClean="0"/>
-              <a:t>02/08/2024</a:t>
+              <a:t>03/08/2024</a:t>
             </a:fld>
             <a:endParaRPr lang="fr-FR"/>
           </a:p>
@@ -945,7 +945,7 @@
           <a:p>
             <a:fld id="{638941B0-F4D5-4460-BCAD-F7E2B41A8257}" type="datetimeFigureOut">
               <a:rPr lang="fr-FR" smtClean="0"/>
-              <a:t>02/08/2024</a:t>
+              <a:t>03/08/2024</a:t>
             </a:fld>
             <a:endParaRPr lang="fr-FR"/>
           </a:p>
@@ -1190,7 +1190,7 @@
           <a:p>
             <a:fld id="{638941B0-F4D5-4460-BCAD-F7E2B41A8257}" type="datetimeFigureOut">
               <a:rPr lang="fr-FR" smtClean="0"/>
-              <a:t>02/08/2024</a:t>
+              <a:t>03/08/2024</a:t>
             </a:fld>
             <a:endParaRPr lang="fr-FR"/>
           </a:p>
@@ -1419,7 +1419,7 @@
           <a:p>
             <a:fld id="{638941B0-F4D5-4460-BCAD-F7E2B41A8257}" type="datetimeFigureOut">
               <a:rPr lang="fr-FR" smtClean="0"/>
-              <a:t>02/08/2024</a:t>
+              <a:t>03/08/2024</a:t>
             </a:fld>
             <a:endParaRPr lang="fr-FR"/>
           </a:p>
@@ -1783,7 +1783,7 @@
           <a:p>
             <a:fld id="{638941B0-F4D5-4460-BCAD-F7E2B41A8257}" type="datetimeFigureOut">
               <a:rPr lang="fr-FR" smtClean="0"/>
-              <a:t>02/08/2024</a:t>
+              <a:t>03/08/2024</a:t>
             </a:fld>
             <a:endParaRPr lang="fr-FR"/>
           </a:p>
@@ -1900,7 +1900,7 @@
           <a:p>
             <a:fld id="{638941B0-F4D5-4460-BCAD-F7E2B41A8257}" type="datetimeFigureOut">
               <a:rPr lang="fr-FR" smtClean="0"/>
-              <a:t>02/08/2024</a:t>
+              <a:t>03/08/2024</a:t>
             </a:fld>
             <a:endParaRPr lang="fr-FR"/>
           </a:p>
@@ -1995,7 +1995,7 @@
           <a:p>
             <a:fld id="{638941B0-F4D5-4460-BCAD-F7E2B41A8257}" type="datetimeFigureOut">
               <a:rPr lang="fr-FR" smtClean="0"/>
-              <a:t>02/08/2024</a:t>
+              <a:t>03/08/2024</a:t>
             </a:fld>
             <a:endParaRPr lang="fr-FR"/>
           </a:p>
@@ -2270,7 +2270,7 @@
           <a:p>
             <a:fld id="{638941B0-F4D5-4460-BCAD-F7E2B41A8257}" type="datetimeFigureOut">
               <a:rPr lang="fr-FR" smtClean="0"/>
-              <a:t>02/08/2024</a:t>
+              <a:t>03/08/2024</a:t>
             </a:fld>
             <a:endParaRPr lang="fr-FR"/>
           </a:p>
@@ -2522,7 +2522,7 @@
           <a:p>
             <a:fld id="{638941B0-F4D5-4460-BCAD-F7E2B41A8257}" type="datetimeFigureOut">
               <a:rPr lang="fr-FR" smtClean="0"/>
-              <a:t>02/08/2024</a:t>
+              <a:t>03/08/2024</a:t>
             </a:fld>
             <a:endParaRPr lang="fr-FR"/>
           </a:p>
@@ -2733,7 +2733,7 @@
           <a:p>
             <a:fld id="{638941B0-F4D5-4460-BCAD-F7E2B41A8257}" type="datetimeFigureOut">
               <a:rPr lang="fr-FR" smtClean="0"/>
-              <a:t>02/08/2024</a:t>
+              <a:t>03/08/2024</a:t>
             </a:fld>
             <a:endParaRPr lang="fr-FR"/>
           </a:p>
@@ -6618,7 +6618,7 @@
         </p:blipFill>
         <p:spPr>
           <a:xfrm>
-            <a:off x="740200" y="834927"/>
+            <a:off x="470692" y="834927"/>
             <a:ext cx="10711600" cy="5188146"/>
           </a:xfrm>
           <a:prstGeom prst="rect">
@@ -6957,7 +6957,7 @@
                     </a:schemeClr>
                   </a:solidFill>
                 </a:rPr>
-                <a:t>cmd_vel</a:t>
+                <a:t>cmd_vel_apply</a:t>
               </a:r>
               <a:endParaRPr lang="fr-FR" sz="1600" dirty="0">
                 <a:solidFill>
@@ -7262,10 +7262,10 @@
       </p:grpSp>
       <p:pic>
         <p:nvPicPr>
-          <p:cNvPr id="39" name="Image 38">
+          <p:cNvPr id="2" name="Image 1">
             <a:extLst>
               <a:ext uri="{FF2B5EF4-FFF2-40B4-BE49-F238E27FC236}">
-                <a16:creationId xmlns:a16="http://schemas.microsoft.com/office/drawing/2014/main" id="{A5ED7DCE-A95A-45AE-896B-CA17DD5102F1}"/>
+                <a16:creationId xmlns:a16="http://schemas.microsoft.com/office/drawing/2014/main" id="{D6B8F9AB-2B9C-4FE7-9BE5-BC18F94EFA60}"/>
               </a:ext>
             </a:extLst>
           </p:cNvPr>
@@ -7282,7 +7282,7 @@
         </p:blipFill>
         <p:spPr>
           <a:xfrm>
-            <a:off x="2067982" y="1462499"/>
+            <a:off x="1933229" y="2051184"/>
             <a:ext cx="7517019" cy="2755631"/>
           </a:xfrm>
           <a:prstGeom prst="rect">

--- a/resources/medias/edit_visuals.pptx
+++ b/resources/medias/edit_visuals.pptx
@@ -431,7 +431,7 @@
           <a:p>
             <a:fld id="{638941B0-F4D5-4460-BCAD-F7E2B41A8257}" type="datetimeFigureOut">
               <a:rPr lang="fr-FR" smtClean="0"/>
-              <a:t>03/08/2024</a:t>
+              <a:t>02/10/2024</a:t>
             </a:fld>
             <a:endParaRPr lang="fr-FR"/>
           </a:p>
@@ -473,7 +473,7 @@
           <a:p>
             <a:fld id="{27C6CCC6-2BE5-4E42-96A4-D1E8E81A3D8E}" type="slidenum">
               <a:rPr lang="fr-FR" smtClean="0"/>
-              <a:t>‹N°›</a:t>
+              <a:t>‹#›</a:t>
             </a:fld>
             <a:endParaRPr lang="fr-FR"/>
           </a:p>
@@ -599,7 +599,7 @@
           <a:p>
             <a:fld id="{638941B0-F4D5-4460-BCAD-F7E2B41A8257}" type="datetimeFigureOut">
               <a:rPr lang="fr-FR" smtClean="0"/>
-              <a:t>03/08/2024</a:t>
+              <a:t>02/10/2024</a:t>
             </a:fld>
             <a:endParaRPr lang="fr-FR"/>
           </a:p>
@@ -641,7 +641,7 @@
           <a:p>
             <a:fld id="{27C6CCC6-2BE5-4E42-96A4-D1E8E81A3D8E}" type="slidenum">
               <a:rPr lang="fr-FR" smtClean="0"/>
-              <a:t>‹N°›</a:t>
+              <a:t>‹#›</a:t>
             </a:fld>
             <a:endParaRPr lang="fr-FR"/>
           </a:p>
@@ -777,7 +777,7 @@
           <a:p>
             <a:fld id="{638941B0-F4D5-4460-BCAD-F7E2B41A8257}" type="datetimeFigureOut">
               <a:rPr lang="fr-FR" smtClean="0"/>
-              <a:t>03/08/2024</a:t>
+              <a:t>02/10/2024</a:t>
             </a:fld>
             <a:endParaRPr lang="fr-FR"/>
           </a:p>
@@ -819,7 +819,7 @@
           <a:p>
             <a:fld id="{27C6CCC6-2BE5-4E42-96A4-D1E8E81A3D8E}" type="slidenum">
               <a:rPr lang="fr-FR" smtClean="0"/>
-              <a:t>‹N°›</a:t>
+              <a:t>‹#›</a:t>
             </a:fld>
             <a:endParaRPr lang="fr-FR"/>
           </a:p>
@@ -945,7 +945,7 @@
           <a:p>
             <a:fld id="{638941B0-F4D5-4460-BCAD-F7E2B41A8257}" type="datetimeFigureOut">
               <a:rPr lang="fr-FR" smtClean="0"/>
-              <a:t>03/08/2024</a:t>
+              <a:t>02/10/2024</a:t>
             </a:fld>
             <a:endParaRPr lang="fr-FR"/>
           </a:p>
@@ -987,7 +987,7 @@
           <a:p>
             <a:fld id="{27C6CCC6-2BE5-4E42-96A4-D1E8E81A3D8E}" type="slidenum">
               <a:rPr lang="fr-FR" smtClean="0"/>
-              <a:t>‹N°›</a:t>
+              <a:t>‹#›</a:t>
             </a:fld>
             <a:endParaRPr lang="fr-FR"/>
           </a:p>
@@ -1190,7 +1190,7 @@
           <a:p>
             <a:fld id="{638941B0-F4D5-4460-BCAD-F7E2B41A8257}" type="datetimeFigureOut">
               <a:rPr lang="fr-FR" smtClean="0"/>
-              <a:t>03/08/2024</a:t>
+              <a:t>02/10/2024</a:t>
             </a:fld>
             <a:endParaRPr lang="fr-FR"/>
           </a:p>
@@ -1232,7 +1232,7 @@
           <a:p>
             <a:fld id="{27C6CCC6-2BE5-4E42-96A4-D1E8E81A3D8E}" type="slidenum">
               <a:rPr lang="fr-FR" smtClean="0"/>
-              <a:t>‹N°›</a:t>
+              <a:t>‹#›</a:t>
             </a:fld>
             <a:endParaRPr lang="fr-FR"/>
           </a:p>
@@ -1419,7 +1419,7 @@
           <a:p>
             <a:fld id="{638941B0-F4D5-4460-BCAD-F7E2B41A8257}" type="datetimeFigureOut">
               <a:rPr lang="fr-FR" smtClean="0"/>
-              <a:t>03/08/2024</a:t>
+              <a:t>02/10/2024</a:t>
             </a:fld>
             <a:endParaRPr lang="fr-FR"/>
           </a:p>
@@ -1461,7 +1461,7 @@
           <a:p>
             <a:fld id="{27C6CCC6-2BE5-4E42-96A4-D1E8E81A3D8E}" type="slidenum">
               <a:rPr lang="fr-FR" smtClean="0"/>
-              <a:t>‹N°›</a:t>
+              <a:t>‹#›</a:t>
             </a:fld>
             <a:endParaRPr lang="fr-FR"/>
           </a:p>
@@ -1783,7 +1783,7 @@
           <a:p>
             <a:fld id="{638941B0-F4D5-4460-BCAD-F7E2B41A8257}" type="datetimeFigureOut">
               <a:rPr lang="fr-FR" smtClean="0"/>
-              <a:t>03/08/2024</a:t>
+              <a:t>02/10/2024</a:t>
             </a:fld>
             <a:endParaRPr lang="fr-FR"/>
           </a:p>
@@ -1825,7 +1825,7 @@
           <a:p>
             <a:fld id="{27C6CCC6-2BE5-4E42-96A4-D1E8E81A3D8E}" type="slidenum">
               <a:rPr lang="fr-FR" smtClean="0"/>
-              <a:t>‹N°›</a:t>
+              <a:t>‹#›</a:t>
             </a:fld>
             <a:endParaRPr lang="fr-FR"/>
           </a:p>
@@ -1900,7 +1900,7 @@
           <a:p>
             <a:fld id="{638941B0-F4D5-4460-BCAD-F7E2B41A8257}" type="datetimeFigureOut">
               <a:rPr lang="fr-FR" smtClean="0"/>
-              <a:t>03/08/2024</a:t>
+              <a:t>02/10/2024</a:t>
             </a:fld>
             <a:endParaRPr lang="fr-FR"/>
           </a:p>
@@ -1942,7 +1942,7 @@
           <a:p>
             <a:fld id="{27C6CCC6-2BE5-4E42-96A4-D1E8E81A3D8E}" type="slidenum">
               <a:rPr lang="fr-FR" smtClean="0"/>
-              <a:t>‹N°›</a:t>
+              <a:t>‹#›</a:t>
             </a:fld>
             <a:endParaRPr lang="fr-FR"/>
           </a:p>
@@ -1995,7 +1995,7 @@
           <a:p>
             <a:fld id="{638941B0-F4D5-4460-BCAD-F7E2B41A8257}" type="datetimeFigureOut">
               <a:rPr lang="fr-FR" smtClean="0"/>
-              <a:t>03/08/2024</a:t>
+              <a:t>02/10/2024</a:t>
             </a:fld>
             <a:endParaRPr lang="fr-FR"/>
           </a:p>
@@ -2037,7 +2037,7 @@
           <a:p>
             <a:fld id="{27C6CCC6-2BE5-4E42-96A4-D1E8E81A3D8E}" type="slidenum">
               <a:rPr lang="fr-FR" smtClean="0"/>
-              <a:t>‹N°›</a:t>
+              <a:t>‹#›</a:t>
             </a:fld>
             <a:endParaRPr lang="fr-FR"/>
           </a:p>
@@ -2270,7 +2270,7 @@
           <a:p>
             <a:fld id="{638941B0-F4D5-4460-BCAD-F7E2B41A8257}" type="datetimeFigureOut">
               <a:rPr lang="fr-FR" smtClean="0"/>
-              <a:t>03/08/2024</a:t>
+              <a:t>02/10/2024</a:t>
             </a:fld>
             <a:endParaRPr lang="fr-FR"/>
           </a:p>
@@ -2312,7 +2312,7 @@
           <a:p>
             <a:fld id="{27C6CCC6-2BE5-4E42-96A4-D1E8E81A3D8E}" type="slidenum">
               <a:rPr lang="fr-FR" smtClean="0"/>
-              <a:t>‹N°›</a:t>
+              <a:t>‹#›</a:t>
             </a:fld>
             <a:endParaRPr lang="fr-FR"/>
           </a:p>
@@ -2522,7 +2522,7 @@
           <a:p>
             <a:fld id="{638941B0-F4D5-4460-BCAD-F7E2B41A8257}" type="datetimeFigureOut">
               <a:rPr lang="fr-FR" smtClean="0"/>
-              <a:t>03/08/2024</a:t>
+              <a:t>02/10/2024</a:t>
             </a:fld>
             <a:endParaRPr lang="fr-FR"/>
           </a:p>
@@ -2564,7 +2564,7 @@
           <a:p>
             <a:fld id="{27C6CCC6-2BE5-4E42-96A4-D1E8E81A3D8E}" type="slidenum">
               <a:rPr lang="fr-FR" smtClean="0"/>
-              <a:t>‹N°›</a:t>
+              <a:t>‹#›</a:t>
             </a:fld>
             <a:endParaRPr lang="fr-FR"/>
           </a:p>
@@ -2733,7 +2733,7 @@
           <a:p>
             <a:fld id="{638941B0-F4D5-4460-BCAD-F7E2B41A8257}" type="datetimeFigureOut">
               <a:rPr lang="fr-FR" smtClean="0"/>
-              <a:t>03/08/2024</a:t>
+              <a:t>02/10/2024</a:t>
             </a:fld>
             <a:endParaRPr lang="fr-FR"/>
           </a:p>
@@ -2811,7 +2811,7 @@
           <a:p>
             <a:fld id="{27C6CCC6-2BE5-4E42-96A4-D1E8E81A3D8E}" type="slidenum">
               <a:rPr lang="fr-FR" smtClean="0"/>
-              <a:t>‹N°›</a:t>
+              <a:t>‹#›</a:t>
             </a:fld>
             <a:endParaRPr lang="fr-FR"/>
           </a:p>
@@ -5297,59 +5297,12 @@
           <a:chExt cx="0" cy="0"/>
         </a:xfrm>
       </p:grpSpPr>
-      <p:sp>
-        <p:nvSpPr>
-          <p:cNvPr id="7" name="ZoneTexte 6">
+      <p:grpSp>
+        <p:nvGrpSpPr>
+          <p:cNvPr id="41" name="Group 40">
             <a:extLst>
               <a:ext uri="{FF2B5EF4-FFF2-40B4-BE49-F238E27FC236}">
-                <a16:creationId xmlns:a16="http://schemas.microsoft.com/office/drawing/2014/main" id="{6F4BD2A9-E01E-B4C3-5ACD-41DC9F8F3444}"/>
-              </a:ext>
-            </a:extLst>
-          </p:cNvPr>
-          <p:cNvSpPr txBox="1"/>
-          <p:nvPr/>
-        </p:nvSpPr>
-        <p:spPr>
-          <a:xfrm>
-            <a:off x="3229415" y="421411"/>
-            <a:ext cx="5733170" cy="369332"/>
-          </a:xfrm>
-          <a:prstGeom prst="rect">
-            <a:avLst/>
-          </a:prstGeom>
-          <a:noFill/>
-        </p:spPr>
-        <p:txBody>
-          <a:bodyPr rot="0" spcFirstLastPara="0" vertOverflow="overflow" horzOverflow="overflow" vert="horz" wrap="square" lIns="91440" tIns="45720" rIns="91440" bIns="45720" numCol="1" spcCol="0" rtlCol="0" fromWordArt="0" anchor="t" anchorCtr="0" forceAA="0" compatLnSpc="1">
-            <a:prstTxWarp prst="textNoShape">
-              <a:avLst/>
-            </a:prstTxWarp>
-            <a:spAutoFit/>
-          </a:bodyPr>
-          <a:lstStyle/>
-          <a:p>
-            <a:pPr algn="ctr"/>
-            <a:r>
-              <a:rPr lang="fr-FR" dirty="0"/>
-              <a:t>Visual API (</a:t>
-            </a:r>
-            <a:r>
-              <a:rPr lang="fr-FR" dirty="0" err="1"/>
-              <a:t>When</a:t>
-            </a:r>
-            <a:r>
-              <a:rPr lang="fr-FR" dirty="0"/>
-              <a:t> MODE:=API for simulation or Real robot)</a:t>
-            </a:r>
-          </a:p>
-        </p:txBody>
-      </p:sp>
-      <p:grpSp>
-        <p:nvGrpSpPr>
-          <p:cNvPr id="40" name="Groupe 39">
-            <a:extLst>
-              <a:ext uri="{FF2B5EF4-FFF2-40B4-BE49-F238E27FC236}">
-                <a16:creationId xmlns:a16="http://schemas.microsoft.com/office/drawing/2014/main" id="{3277B6B6-CB60-434B-A30E-FF71D55DCAFC}"/>
+                <a16:creationId xmlns:a16="http://schemas.microsoft.com/office/drawing/2014/main" id="{382A9596-4900-FBB7-F7C0-243BFA57D9E5}"/>
               </a:ext>
             </a:extLst>
           </p:cNvPr>
@@ -5358,18 +5311,65 @@
         </p:nvGrpSpPr>
         <p:grpSpPr>
           <a:xfrm>
-            <a:off x="752698" y="1131066"/>
-            <a:ext cx="10686603" cy="5171371"/>
-            <a:chOff x="752698" y="953771"/>
-            <a:chExt cx="10686603" cy="5171371"/>
+            <a:off x="304800" y="392113"/>
+            <a:ext cx="11134501" cy="5910324"/>
+            <a:chOff x="304800" y="392113"/>
+            <a:chExt cx="11134501" cy="5910324"/>
           </a:xfrm>
         </p:grpSpPr>
+        <p:sp>
+          <p:nvSpPr>
+            <p:cNvPr id="7" name="ZoneTexte 6">
+              <a:extLst>
+                <a:ext uri="{FF2B5EF4-FFF2-40B4-BE49-F238E27FC236}">
+                  <a16:creationId xmlns:a16="http://schemas.microsoft.com/office/drawing/2014/main" id="{6F4BD2A9-E01E-B4C3-5ACD-41DC9F8F3444}"/>
+                </a:ext>
+              </a:extLst>
+            </p:cNvPr>
+            <p:cNvSpPr txBox="1"/>
+            <p:nvPr/>
+          </p:nvSpPr>
+          <p:spPr>
+            <a:xfrm>
+              <a:off x="2986307" y="392113"/>
+              <a:ext cx="6219385" cy="369332"/>
+            </a:xfrm>
+            <a:prstGeom prst="rect">
+              <a:avLst/>
+            </a:prstGeom>
+            <a:noFill/>
+          </p:spPr>
+          <p:txBody>
+            <a:bodyPr rot="0" spcFirstLastPara="0" vertOverflow="overflow" horzOverflow="overflow" vert="horz" wrap="square" lIns="91440" tIns="45720" rIns="91440" bIns="45720" numCol="1" spcCol="0" rtlCol="0" fromWordArt="0" anchor="t" anchorCtr="0" forceAA="0" compatLnSpc="1">
+              <a:prstTxWarp prst="textNoShape">
+                <a:avLst/>
+              </a:prstTxWarp>
+              <a:spAutoFit/>
+            </a:bodyPr>
+            <a:lstStyle/>
+            <a:p>
+              <a:pPr algn="ctr"/>
+              <a:r>
+                <a:rPr lang="fr-FR" dirty="0"/>
+                <a:t>Visual API (</a:t>
+              </a:r>
+              <a:r>
+                <a:rPr lang="fr-FR" dirty="0" err="1"/>
+                <a:t>When</a:t>
+              </a:r>
+              <a:r>
+                <a:rPr lang="fr-FR" dirty="0"/>
+                <a:t> MODE:=API for simulation or Real robot)</a:t>
+              </a:r>
+            </a:p>
+          </p:txBody>
+        </p:sp>
         <p:grpSp>
           <p:nvGrpSpPr>
-            <p:cNvPr id="32" name="Groupe 31">
+            <p:cNvPr id="3" name="Group 2">
               <a:extLst>
                 <a:ext uri="{FF2B5EF4-FFF2-40B4-BE49-F238E27FC236}">
-                  <a16:creationId xmlns:a16="http://schemas.microsoft.com/office/drawing/2014/main" id="{A8C17061-572E-415B-9F77-0B2E3383D03F}"/>
+                  <a16:creationId xmlns:a16="http://schemas.microsoft.com/office/drawing/2014/main" id="{F69CEB8F-B920-094F-E098-3C16DC4DB651}"/>
                 </a:ext>
               </a:extLst>
             </p:cNvPr>
@@ -5378,18 +5378,18 @@
           </p:nvGrpSpPr>
           <p:grpSpPr>
             <a:xfrm>
-              <a:off x="752698" y="953771"/>
-              <a:ext cx="10686603" cy="3597956"/>
-              <a:chOff x="720003" y="1841237"/>
-              <a:chExt cx="10686603" cy="3597956"/>
+              <a:off x="304800" y="1011913"/>
+              <a:ext cx="11134501" cy="5290524"/>
+              <a:chOff x="304800" y="1011913"/>
+              <a:chExt cx="11134501" cy="5290524"/>
             </a:xfrm>
           </p:grpSpPr>
           <p:sp>
             <p:nvSpPr>
-              <p:cNvPr id="2" name="Rectangle : coins arrondis 1">
+              <p:cNvPr id="4" name="Rectangle 3">
                 <a:extLst>
                   <a:ext uri="{FF2B5EF4-FFF2-40B4-BE49-F238E27FC236}">
-                    <a16:creationId xmlns:a16="http://schemas.microsoft.com/office/drawing/2014/main" id="{974DB932-9182-4D27-B229-C2830BBDA012}"/>
+                    <a16:creationId xmlns:a16="http://schemas.microsoft.com/office/drawing/2014/main" id="{3CB0574D-5EF7-6D7C-B5C4-3D093DDE6B1C}"/>
                   </a:ext>
                 </a:extLst>
               </p:cNvPr>
@@ -5398,8 +5398,60 @@
             </p:nvSpPr>
             <p:spPr>
               <a:xfrm>
-                <a:off x="4761677" y="3296990"/>
-                <a:ext cx="2810577" cy="489948"/>
+                <a:off x="304800" y="1011913"/>
+                <a:ext cx="4341463" cy="4448906"/>
+              </a:xfrm>
+              <a:prstGeom prst="rect">
+                <a:avLst/>
+              </a:prstGeom>
+              <a:noFill/>
+              <a:ln>
+                <a:solidFill>
+                  <a:srgbClr val="7030A0"/>
+                </a:solidFill>
+              </a:ln>
+            </p:spPr>
+            <p:style>
+              <a:lnRef idx="2">
+                <a:schemeClr val="accent1">
+                  <a:shade val="15000"/>
+                </a:schemeClr>
+              </a:lnRef>
+              <a:fillRef idx="1">
+                <a:schemeClr val="accent1"/>
+              </a:fillRef>
+              <a:effectRef idx="0">
+                <a:schemeClr val="accent1"/>
+              </a:effectRef>
+              <a:fontRef idx="minor">
+                <a:schemeClr val="lt1"/>
+              </a:fontRef>
+            </p:style>
+            <p:txBody>
+              <a:bodyPr rtlCol="0" anchor="ctr"/>
+              <a:lstStyle/>
+              <a:p>
+                <a:pPr algn="ctr"/>
+                <a:endParaRPr lang="en-US"/>
+              </a:p>
+            </p:txBody>
+          </p:sp>
+          <p:sp>
+            <p:nvSpPr>
+              <p:cNvPr id="5" name="Rectangle : coins arrondis 1">
+                <a:extLst>
+                  <a:ext uri="{FF2B5EF4-FFF2-40B4-BE49-F238E27FC236}">
+                    <a16:creationId xmlns:a16="http://schemas.microsoft.com/office/drawing/2014/main" id="{AAC67AA5-CB4F-5EC6-20B3-C523A8D5116A}"/>
+                  </a:ext>
+                </a:extLst>
+              </p:cNvPr>
+              <p:cNvSpPr/>
+              <p:nvPr/>
+            </p:nvSpPr>
+            <p:spPr>
+              <a:xfrm>
+                <a:off x="4773373" y="2542753"/>
+                <a:ext cx="2810577" cy="574169"/>
               </a:xfrm>
               <a:prstGeom prst="roundRect">
                 <a:avLst>
@@ -5484,10 +5536,10 @@
           </p:sp>
           <p:sp>
             <p:nvSpPr>
-              <p:cNvPr id="6" name="Rectangle : coins arrondis 5">
+              <p:cNvPr id="9" name="Rectangle : coins arrondis 5">
                 <a:extLst>
                   <a:ext uri="{FF2B5EF4-FFF2-40B4-BE49-F238E27FC236}">
-                    <a16:creationId xmlns:a16="http://schemas.microsoft.com/office/drawing/2014/main" id="{C50D2990-078A-4018-B948-48FB1499BF73}"/>
+                    <a16:creationId xmlns:a16="http://schemas.microsoft.com/office/drawing/2014/main" id="{C6AAF185-5F5F-3302-2426-5F024C520992}"/>
                   </a:ext>
                 </a:extLst>
               </p:cNvPr>
@@ -5496,7 +5548,7 @@
             </p:nvSpPr>
             <p:spPr>
               <a:xfrm>
-                <a:off x="4761678" y="4574197"/>
+                <a:off x="4794373" y="4409454"/>
                 <a:ext cx="2810577" cy="825576"/>
               </a:xfrm>
               <a:prstGeom prst="roundRect">
@@ -5538,17 +5590,17 @@
                       <a:schemeClr val="tx1"/>
                     </a:solidFill>
                   </a:rPr>
-                  <a:t>NAV2 Path planning and attractive point computation</a:t>
+                  <a:t>NAV2 Path planning and control</a:t>
                 </a:r>
               </a:p>
             </p:txBody>
           </p:sp>
           <p:sp>
             <p:nvSpPr>
-              <p:cNvPr id="8" name="Rectangle : coins arrondis 7">
+              <p:cNvPr id="15" name="Rectangle : coins arrondis 7">
                 <a:extLst>
                   <a:ext uri="{FF2B5EF4-FFF2-40B4-BE49-F238E27FC236}">
-                    <a16:creationId xmlns:a16="http://schemas.microsoft.com/office/drawing/2014/main" id="{30962A74-8DFD-4C14-8101-5C879C8C771E}"/>
+                    <a16:creationId xmlns:a16="http://schemas.microsoft.com/office/drawing/2014/main" id="{67B3D95A-7FF3-D583-0F42-91E61F9260CA}"/>
                   </a:ext>
                 </a:extLst>
               </p:cNvPr>
@@ -5557,8 +5609,8 @@
             </p:nvSpPr>
             <p:spPr>
               <a:xfrm>
-                <a:off x="720003" y="3096984"/>
-                <a:ext cx="3396114" cy="893871"/>
+                <a:off x="723984" y="2384858"/>
+                <a:ext cx="3550787" cy="893871"/>
               </a:xfrm>
               <a:prstGeom prst="roundRect">
                 <a:avLst>
@@ -5710,10 +5762,10 @@
           </p:sp>
           <p:sp>
             <p:nvSpPr>
-              <p:cNvPr id="10" name="Rectangle : coins arrondis 9">
+              <p:cNvPr id="17" name="Rectangle : coins arrondis 9">
                 <a:extLst>
                   <a:ext uri="{FF2B5EF4-FFF2-40B4-BE49-F238E27FC236}">
-                    <a16:creationId xmlns:a16="http://schemas.microsoft.com/office/drawing/2014/main" id="{8D301555-4104-4789-8136-74F350271DCF}"/>
+                    <a16:creationId xmlns:a16="http://schemas.microsoft.com/office/drawing/2014/main" id="{3283DEBE-8CD6-FBA8-9109-F3B3D3C5D07E}"/>
                   </a:ext>
                 </a:extLst>
               </p:cNvPr>
@@ -5722,7 +5774,7 @@
             </p:nvSpPr>
             <p:spPr>
               <a:xfrm>
-                <a:off x="8217816" y="3256835"/>
+                <a:off x="8250511" y="2546664"/>
                 <a:ext cx="1561452" cy="574170"/>
               </a:xfrm>
               <a:prstGeom prst="roundRect">
@@ -5771,10 +5823,10 @@
           </p:sp>
           <p:sp>
             <p:nvSpPr>
-              <p:cNvPr id="11" name="Rectangle : coins arrondis 10">
+              <p:cNvPr id="18" name="Rectangle : coins arrondis 10">
                 <a:extLst>
                   <a:ext uri="{FF2B5EF4-FFF2-40B4-BE49-F238E27FC236}">
-                    <a16:creationId xmlns:a16="http://schemas.microsoft.com/office/drawing/2014/main" id="{81EA96F8-E09A-4CE2-A6DE-42E9310ECD3C}"/>
+                    <a16:creationId xmlns:a16="http://schemas.microsoft.com/office/drawing/2014/main" id="{9F801865-BFFB-CBCD-1C13-02526CF1888F}"/>
                   </a:ext>
                 </a:extLst>
               </p:cNvPr>
@@ -5783,7 +5835,7 @@
             </p:nvSpPr>
             <p:spPr>
               <a:xfrm>
-                <a:off x="10424829" y="3355343"/>
+                <a:off x="10457524" y="2645172"/>
                 <a:ext cx="981777" cy="369332"/>
               </a:xfrm>
               <a:prstGeom prst="roundRect">
@@ -5832,10 +5884,10 @@
           </p:sp>
           <p:sp>
             <p:nvSpPr>
-              <p:cNvPr id="12" name="Rectangle : coins arrondis 11">
+              <p:cNvPr id="19" name="Rectangle : coins arrondis 11">
                 <a:extLst>
                   <a:ext uri="{FF2B5EF4-FFF2-40B4-BE49-F238E27FC236}">
-                    <a16:creationId xmlns:a16="http://schemas.microsoft.com/office/drawing/2014/main" id="{DA903BB6-8B56-43D3-984D-E1A739B27827}"/>
+                    <a16:creationId xmlns:a16="http://schemas.microsoft.com/office/drawing/2014/main" id="{1ECD21ED-536D-2B92-6757-D83CFDFDC4EB}"/>
                   </a:ext>
                 </a:extLst>
               </p:cNvPr>
@@ -5844,7 +5896,7 @@
             </p:nvSpPr>
             <p:spPr>
               <a:xfrm>
-                <a:off x="720003" y="1841237"/>
+                <a:off x="752698" y="1131066"/>
                 <a:ext cx="3396114" cy="893871"/>
               </a:xfrm>
               <a:prstGeom prst="roundRect">
@@ -5997,10 +6049,10 @@
           </p:sp>
           <p:sp>
             <p:nvSpPr>
-              <p:cNvPr id="13" name="Rectangle : coins arrondis 12">
+              <p:cNvPr id="21" name="Rectangle : coins arrondis 12">
                 <a:extLst>
                   <a:ext uri="{FF2B5EF4-FFF2-40B4-BE49-F238E27FC236}">
-                    <a16:creationId xmlns:a16="http://schemas.microsoft.com/office/drawing/2014/main" id="{4BDBF38A-894B-4267-97C0-381FFACB68D5}"/>
+                    <a16:creationId xmlns:a16="http://schemas.microsoft.com/office/drawing/2014/main" id="{56D36A4A-F650-8193-C93F-76F29095C4D9}"/>
                   </a:ext>
                 </a:extLst>
               </p:cNvPr>
@@ -6009,7 +6061,7 @@
             </p:nvSpPr>
             <p:spPr>
               <a:xfrm>
-                <a:off x="720003" y="4545322"/>
+                <a:off x="752698" y="4380579"/>
                 <a:ext cx="3396114" cy="893871"/>
               </a:xfrm>
               <a:prstGeom prst="roundRect">
@@ -6149,23 +6201,23 @@
           </p:sp>
           <p:cxnSp>
             <p:nvCxnSpPr>
-              <p:cNvPr id="14" name="Connecteur droit avec flèche 13">
+              <p:cNvPr id="22" name="Connecteur droit avec flèche 13">
                 <a:extLst>
                   <a:ext uri="{FF2B5EF4-FFF2-40B4-BE49-F238E27FC236}">
-                    <a16:creationId xmlns:a16="http://schemas.microsoft.com/office/drawing/2014/main" id="{C80B4265-5C7A-4742-A14D-165A0FCE1FEA}"/>
+                    <a16:creationId xmlns:a16="http://schemas.microsoft.com/office/drawing/2014/main" id="{B907FE42-0DD5-A140-4E15-5A6C12B4E650}"/>
                   </a:ext>
                 </a:extLst>
               </p:cNvPr>
               <p:cNvCxnSpPr>
                 <a:cxnSpLocks/>
-                <a:stCxn id="12" idx="3"/>
-                <a:endCxn id="10" idx="0"/>
+                <a:stCxn id="19" idx="3"/>
+                <a:endCxn id="17" idx="0"/>
               </p:cNvCxnSpPr>
               <p:nvPr/>
             </p:nvCxnSpPr>
             <p:spPr>
               <a:xfrm>
-                <a:off x="4116117" y="2288173"/>
+                <a:off x="4148812" y="1578002"/>
                 <a:ext cx="4882425" cy="968662"/>
               </a:xfrm>
               <a:prstGeom prst="bentConnector2">
@@ -6195,24 +6247,24 @@
           </p:cxnSp>
           <p:cxnSp>
             <p:nvCxnSpPr>
-              <p:cNvPr id="16" name="Connecteur droit avec flèche 13">
+              <p:cNvPr id="24" name="Connecteur droit avec flèche 13">
                 <a:extLst>
                   <a:ext uri="{FF2B5EF4-FFF2-40B4-BE49-F238E27FC236}">
-                    <a16:creationId xmlns:a16="http://schemas.microsoft.com/office/drawing/2014/main" id="{3779FCB7-C4D1-421F-8CBC-95E2A23AD8E4}"/>
+                    <a16:creationId xmlns:a16="http://schemas.microsoft.com/office/drawing/2014/main" id="{A6A6DCBE-D9FB-5B0C-F5DC-AE5D4A95312F}"/>
                   </a:ext>
                 </a:extLst>
               </p:cNvPr>
               <p:cNvCxnSpPr>
                 <a:cxnSpLocks/>
-                <a:stCxn id="8" idx="3"/>
-                <a:endCxn id="2" idx="1"/>
+                <a:stCxn id="15" idx="3"/>
+                <a:endCxn id="5" idx="1"/>
               </p:cNvCxnSpPr>
               <p:nvPr/>
             </p:nvCxnSpPr>
             <p:spPr>
               <a:xfrm flipV="1">
-                <a:off x="4116117" y="3541964"/>
-                <a:ext cx="645560" cy="1956"/>
+                <a:off x="4274771" y="2829838"/>
+                <a:ext cx="498602" cy="1956"/>
               </a:xfrm>
               <a:prstGeom prst="bentConnector3">
                 <a:avLst>
@@ -6243,23 +6295,23 @@
           </p:cxnSp>
           <p:cxnSp>
             <p:nvCxnSpPr>
-              <p:cNvPr id="20" name="Connecteur droit avec flèche 13">
+              <p:cNvPr id="25" name="Connecteur droit avec flèche 13">
                 <a:extLst>
                   <a:ext uri="{FF2B5EF4-FFF2-40B4-BE49-F238E27FC236}">
-                    <a16:creationId xmlns:a16="http://schemas.microsoft.com/office/drawing/2014/main" id="{33AECE1B-675F-4505-91B1-B275BB90C5DA}"/>
+                    <a16:creationId xmlns:a16="http://schemas.microsoft.com/office/drawing/2014/main" id="{B8EDC4EA-2FDF-A396-640B-E0661FEAE9E9}"/>
                   </a:ext>
                 </a:extLst>
               </p:cNvPr>
               <p:cNvCxnSpPr>
                 <a:cxnSpLocks/>
-                <a:stCxn id="13" idx="3"/>
-                <a:endCxn id="6" idx="1"/>
+                <a:stCxn id="21" idx="3"/>
+                <a:endCxn id="9" idx="1"/>
               </p:cNvCxnSpPr>
               <p:nvPr/>
             </p:nvCxnSpPr>
             <p:spPr>
               <a:xfrm flipV="1">
-                <a:off x="4116117" y="4986985"/>
+                <a:off x="4148812" y="4822242"/>
                 <a:ext cx="645561" cy="5273"/>
               </a:xfrm>
               <a:prstGeom prst="bentConnector3">
@@ -6291,24 +6343,70 @@
           </p:cxnSp>
           <p:cxnSp>
             <p:nvCxnSpPr>
-              <p:cNvPr id="23" name="Connecteur droit avec flèche 13">
+              <p:cNvPr id="27" name="Connecteur droit avec flèche 13">
                 <a:extLst>
                   <a:ext uri="{FF2B5EF4-FFF2-40B4-BE49-F238E27FC236}">
-                    <a16:creationId xmlns:a16="http://schemas.microsoft.com/office/drawing/2014/main" id="{1EDEA051-BBC3-469D-BEFA-9671E2476D81}"/>
+                    <a16:creationId xmlns:a16="http://schemas.microsoft.com/office/drawing/2014/main" id="{C32FEF6B-EDF7-4910-9D7B-E9BF5A923721}"/>
                   </a:ext>
                 </a:extLst>
               </p:cNvPr>
               <p:cNvCxnSpPr>
                 <a:cxnSpLocks/>
-                <a:stCxn id="6" idx="0"/>
-                <a:endCxn id="2" idx="2"/>
+                <a:stCxn id="9" idx="3"/>
+                <a:endCxn id="17" idx="2"/>
               </p:cNvCxnSpPr>
               <p:nvPr/>
             </p:nvCxnSpPr>
             <p:spPr>
-              <a:xfrm rot="16200000" flipV="1">
-                <a:off x="5773338" y="4180567"/>
-                <a:ext cx="787259" cy="1"/>
+              <a:xfrm flipV="1">
+                <a:off x="7604950" y="3120834"/>
+                <a:ext cx="1426287" cy="1701408"/>
+              </a:xfrm>
+              <a:prstGeom prst="bentConnector2">
+                <a:avLst/>
+              </a:prstGeom>
+              <a:ln>
+                <a:solidFill>
+                  <a:srgbClr val="00B0F0"/>
+                </a:solidFill>
+                <a:tailEnd type="triangle"/>
+              </a:ln>
+            </p:spPr>
+            <p:style>
+              <a:lnRef idx="2">
+                <a:schemeClr val="accent1"/>
+              </a:lnRef>
+              <a:fillRef idx="0">
+                <a:schemeClr val="accent1"/>
+              </a:fillRef>
+              <a:effectRef idx="1">
+                <a:schemeClr val="accent1"/>
+              </a:effectRef>
+              <a:fontRef idx="minor">
+                <a:schemeClr val="tx1"/>
+              </a:fontRef>
+            </p:style>
+          </p:cxnSp>
+          <p:cxnSp>
+            <p:nvCxnSpPr>
+              <p:cNvPr id="28" name="Connecteur droit avec flèche 13">
+                <a:extLst>
+                  <a:ext uri="{FF2B5EF4-FFF2-40B4-BE49-F238E27FC236}">
+                    <a16:creationId xmlns:a16="http://schemas.microsoft.com/office/drawing/2014/main" id="{A0A2CC92-0FCF-4F5C-CC04-E0A09A217509}"/>
+                  </a:ext>
+                </a:extLst>
+              </p:cNvPr>
+              <p:cNvCxnSpPr>
+                <a:cxnSpLocks/>
+                <a:stCxn id="5" idx="3"/>
+                <a:endCxn id="17" idx="1"/>
+              </p:cNvCxnSpPr>
+              <p:nvPr/>
+            </p:nvCxnSpPr>
+            <p:spPr>
+              <a:xfrm>
+                <a:off x="7583950" y="2829838"/>
+                <a:ext cx="666561" cy="3911"/>
               </a:xfrm>
               <a:prstGeom prst="bentConnector3">
                 <a:avLst>
@@ -6339,71 +6437,23 @@
           </p:cxnSp>
           <p:cxnSp>
             <p:nvCxnSpPr>
-              <p:cNvPr id="26" name="Connecteur droit avec flèche 13">
+              <p:cNvPr id="30" name="Connecteur droit avec flèche 13">
                 <a:extLst>
                   <a:ext uri="{FF2B5EF4-FFF2-40B4-BE49-F238E27FC236}">
-                    <a16:creationId xmlns:a16="http://schemas.microsoft.com/office/drawing/2014/main" id="{D29A4CA2-1DD5-4D64-BCD8-742B31835EFE}"/>
+                    <a16:creationId xmlns:a16="http://schemas.microsoft.com/office/drawing/2014/main" id="{4699C3A3-7A72-5109-C8D7-7F87EB99F56B}"/>
                   </a:ext>
                 </a:extLst>
               </p:cNvPr>
               <p:cNvCxnSpPr>
                 <a:cxnSpLocks/>
-                <a:stCxn id="2" idx="3"/>
-                <a:endCxn id="10" idx="1"/>
-              </p:cNvCxnSpPr>
-              <p:nvPr/>
-            </p:nvCxnSpPr>
-            <p:spPr>
-              <a:xfrm>
-                <a:off x="7572254" y="3541964"/>
-                <a:ext cx="645562" cy="1956"/>
-              </a:xfrm>
-              <a:prstGeom prst="bentConnector3">
-                <a:avLst>
-                  <a:gd name="adj1" fmla="val 50000"/>
-                </a:avLst>
-              </a:prstGeom>
-              <a:ln>
-                <a:solidFill>
-                  <a:srgbClr val="00B0F0"/>
-                </a:solidFill>
-                <a:tailEnd type="triangle"/>
-              </a:ln>
-            </p:spPr>
-            <p:style>
-              <a:lnRef idx="2">
-                <a:schemeClr val="accent1"/>
-              </a:lnRef>
-              <a:fillRef idx="0">
-                <a:schemeClr val="accent1"/>
-              </a:fillRef>
-              <a:effectRef idx="1">
-                <a:schemeClr val="accent1"/>
-              </a:effectRef>
-              <a:fontRef idx="minor">
-                <a:schemeClr val="tx1"/>
-              </a:fontRef>
-            </p:style>
-          </p:cxnSp>
-          <p:cxnSp>
-            <p:nvCxnSpPr>
-              <p:cNvPr id="29" name="Connecteur droit avec flèche 13">
-                <a:extLst>
-                  <a:ext uri="{FF2B5EF4-FFF2-40B4-BE49-F238E27FC236}">
-                    <a16:creationId xmlns:a16="http://schemas.microsoft.com/office/drawing/2014/main" id="{8D9AEBAB-75E3-4902-BA3A-2BC17E5FB194}"/>
-                  </a:ext>
-                </a:extLst>
-              </p:cNvPr>
-              <p:cNvCxnSpPr>
-                <a:cxnSpLocks/>
-                <a:stCxn id="10" idx="3"/>
-                <a:endCxn id="11" idx="1"/>
+                <a:stCxn id="17" idx="3"/>
+                <a:endCxn id="18" idx="1"/>
               </p:cNvCxnSpPr>
               <p:nvPr/>
             </p:nvCxnSpPr>
             <p:spPr>
               <a:xfrm flipV="1">
-                <a:off x="9779268" y="3540009"/>
+                <a:off x="9811963" y="2829838"/>
                 <a:ext cx="645561" cy="3911"/>
               </a:xfrm>
               <a:prstGeom prst="bentConnector3">
@@ -6433,175 +6483,395 @@
               </a:fontRef>
             </p:style>
           </p:cxnSp>
+          <p:sp>
+            <p:nvSpPr>
+              <p:cNvPr id="31" name="Rectangle : coins arrondis 32">
+                <a:extLst>
+                  <a:ext uri="{FF2B5EF4-FFF2-40B4-BE49-F238E27FC236}">
+                    <a16:creationId xmlns:a16="http://schemas.microsoft.com/office/drawing/2014/main" id="{39D5A305-B870-83C8-83A2-9E3B34E85494}"/>
+                  </a:ext>
+                </a:extLst>
+              </p:cNvPr>
+              <p:cNvSpPr/>
+              <p:nvPr/>
+            </p:nvSpPr>
+            <p:spPr>
+              <a:xfrm>
+                <a:off x="4794372" y="5476861"/>
+                <a:ext cx="2810577" cy="825576"/>
+              </a:xfrm>
+              <a:prstGeom prst="roundRect">
+                <a:avLst>
+                  <a:gd name="adj" fmla="val 0"/>
+                </a:avLst>
+              </a:prstGeom>
+              <a:noFill/>
+              <a:ln>
+                <a:solidFill>
+                  <a:srgbClr val="7030A0"/>
+                </a:solidFill>
+              </a:ln>
+            </p:spPr>
+            <p:style>
+              <a:lnRef idx="2">
+                <a:schemeClr val="accent1">
+                  <a:shade val="50000"/>
+                </a:schemeClr>
+              </a:lnRef>
+              <a:fillRef idx="1">
+                <a:schemeClr val="accent1"/>
+              </a:fillRef>
+              <a:effectRef idx="0">
+                <a:schemeClr val="accent1"/>
+              </a:effectRef>
+              <a:fontRef idx="minor">
+                <a:schemeClr val="lt1"/>
+              </a:fontRef>
+            </p:style>
+            <p:txBody>
+              <a:bodyPr rtlCol="0" anchor="ctr"/>
+              <a:lstStyle/>
+              <a:p>
+                <a:pPr algn="ctr"/>
+                <a:r>
+                  <a:rPr lang="fr-FR" sz="1600" dirty="0" err="1">
+                    <a:solidFill>
+                      <a:srgbClr val="7030A0"/>
+                    </a:solidFill>
+                  </a:rPr>
+                  <a:t>External</a:t>
+                </a:r>
+                <a:r>
+                  <a:rPr lang="fr-FR" sz="1600" dirty="0">
+                    <a:solidFill>
+                      <a:srgbClr val="7030A0"/>
+                    </a:solidFill>
+                  </a:rPr>
+                  <a:t> custom program or CALL-M CLIENT default one.</a:t>
+                </a:r>
+              </a:p>
+            </p:txBody>
+          </p:sp>
+          <p:cxnSp>
+            <p:nvCxnSpPr>
+              <p:cNvPr id="35" name="Connecteur droit avec flèche 13">
+                <a:extLst>
+                  <a:ext uri="{FF2B5EF4-FFF2-40B4-BE49-F238E27FC236}">
+                    <a16:creationId xmlns:a16="http://schemas.microsoft.com/office/drawing/2014/main" id="{B2D34D91-DB17-EB38-DD85-6B384409E6D6}"/>
+                  </a:ext>
+                </a:extLst>
+              </p:cNvPr>
+              <p:cNvCxnSpPr>
+                <a:cxnSpLocks/>
+                <a:stCxn id="18" idx="2"/>
+                <a:endCxn id="31" idx="3"/>
+              </p:cNvCxnSpPr>
+              <p:nvPr/>
+            </p:nvCxnSpPr>
+            <p:spPr>
+              <a:xfrm rot="5400000">
+                <a:off x="7839109" y="2780344"/>
+                <a:ext cx="2875145" cy="3343464"/>
+              </a:xfrm>
+              <a:prstGeom prst="bentConnector2">
+                <a:avLst/>
+              </a:prstGeom>
+              <a:ln>
+                <a:solidFill>
+                  <a:srgbClr val="7030A0"/>
+                </a:solidFill>
+                <a:tailEnd type="triangle"/>
+              </a:ln>
+            </p:spPr>
+            <p:style>
+              <a:lnRef idx="2">
+                <a:schemeClr val="accent1"/>
+              </a:lnRef>
+              <a:fillRef idx="0">
+                <a:schemeClr val="accent1"/>
+              </a:fillRef>
+              <a:effectRef idx="1">
+                <a:schemeClr val="accent1"/>
+              </a:effectRef>
+              <a:fontRef idx="minor">
+                <a:schemeClr val="tx1"/>
+              </a:fontRef>
+            </p:style>
+          </p:cxnSp>
+          <p:cxnSp>
+            <p:nvCxnSpPr>
+              <p:cNvPr id="36" name="Connecteur droit avec flèche 13">
+                <a:extLst>
+                  <a:ext uri="{FF2B5EF4-FFF2-40B4-BE49-F238E27FC236}">
+                    <a16:creationId xmlns:a16="http://schemas.microsoft.com/office/drawing/2014/main" id="{DC042E75-9B17-D7A4-7711-FCBFCFAF23DB}"/>
+                  </a:ext>
+                </a:extLst>
+              </p:cNvPr>
+              <p:cNvCxnSpPr>
+                <a:cxnSpLocks/>
+                <a:stCxn id="31" idx="1"/>
+                <a:endCxn id="4" idx="2"/>
+              </p:cNvCxnSpPr>
+              <p:nvPr/>
+            </p:nvCxnSpPr>
+            <p:spPr>
+              <a:xfrm rot="10800000">
+                <a:off x="2475532" y="5460819"/>
+                <a:ext cx="2318840" cy="428830"/>
+              </a:xfrm>
+              <a:prstGeom prst="bentConnector2">
+                <a:avLst/>
+              </a:prstGeom>
+              <a:ln>
+                <a:solidFill>
+                  <a:srgbClr val="7030A0"/>
+                </a:solidFill>
+                <a:tailEnd type="triangle"/>
+              </a:ln>
+            </p:spPr>
+            <p:style>
+              <a:lnRef idx="2">
+                <a:schemeClr val="accent1"/>
+              </a:lnRef>
+              <a:fillRef idx="0">
+                <a:schemeClr val="accent1"/>
+              </a:fillRef>
+              <a:effectRef idx="1">
+                <a:schemeClr val="accent1"/>
+              </a:effectRef>
+              <a:fontRef idx="minor">
+                <a:schemeClr val="tx1"/>
+              </a:fontRef>
+            </p:style>
+          </p:cxnSp>
+          <p:sp>
+            <p:nvSpPr>
+              <p:cNvPr id="38" name="Rectangle : coins arrondis 7">
+                <a:extLst>
+                  <a:ext uri="{FF2B5EF4-FFF2-40B4-BE49-F238E27FC236}">
+                    <a16:creationId xmlns:a16="http://schemas.microsoft.com/office/drawing/2014/main" id="{E067F588-2124-1E6C-333E-A0F2E7A23078}"/>
+                  </a:ext>
+                </a:extLst>
+              </p:cNvPr>
+              <p:cNvSpPr/>
+              <p:nvPr/>
+            </p:nvSpPr>
+            <p:spPr>
+              <a:xfrm>
+                <a:off x="481263" y="3381059"/>
+                <a:ext cx="4105789" cy="893871"/>
+              </a:xfrm>
+              <a:prstGeom prst="roundRect">
+                <a:avLst>
+                  <a:gd name="adj" fmla="val 29541"/>
+                </a:avLst>
+              </a:prstGeom>
+              <a:noFill/>
+              <a:ln>
+                <a:solidFill>
+                  <a:srgbClr val="00B0F0"/>
+                </a:solidFill>
+              </a:ln>
+            </p:spPr>
+            <p:style>
+              <a:lnRef idx="2">
+                <a:schemeClr val="accent1">
+                  <a:shade val="50000"/>
+                </a:schemeClr>
+              </a:lnRef>
+              <a:fillRef idx="1">
+                <a:schemeClr val="accent1"/>
+              </a:fillRef>
+              <a:effectRef idx="0">
+                <a:schemeClr val="accent1"/>
+              </a:effectRef>
+              <a:fontRef idx="minor">
+                <a:schemeClr val="lt1"/>
+              </a:fontRef>
+            </p:style>
+            <p:txBody>
+              <a:bodyPr rtlCol="0" anchor="ctr"/>
+              <a:lstStyle/>
+              <a:p>
+                <a:pPr algn="ctr"/>
+                <a:r>
+                  <a:rPr lang="fr-FR" sz="1600" dirty="0">
+                    <a:solidFill>
+                      <a:srgbClr val="00B0F0"/>
+                    </a:solidFill>
+                  </a:rPr>
+                  <a:t>Point </a:t>
+                </a:r>
+                <a:r>
+                  <a:rPr lang="fr-FR" sz="1600" dirty="0" err="1">
+                    <a:solidFill>
+                      <a:srgbClr val="00B0F0"/>
+                    </a:solidFill>
+                  </a:rPr>
+                  <a:t>following</a:t>
+                </a:r>
+                <a:endParaRPr lang="fr-FR" sz="1600" dirty="0">
+                  <a:solidFill>
+                    <a:srgbClr val="00B0F0"/>
+                  </a:solidFill>
+                </a:endParaRPr>
+              </a:p>
+              <a:p>
+                <a:pPr algn="ctr"/>
+                <a:r>
+                  <a:rPr lang="fr-FR" sz="1600" b="1" dirty="0">
+                    <a:solidFill>
+                      <a:schemeClr val="bg1">
+                        <a:lumMod val="50000"/>
+                      </a:schemeClr>
+                    </a:solidFill>
+                  </a:rPr>
+                  <a:t>Topic </a:t>
+                </a:r>
+                <a:r>
+                  <a:rPr lang="fr-FR" sz="1600" b="1" dirty="0" err="1">
+                    <a:solidFill>
+                      <a:schemeClr val="bg1">
+                        <a:lumMod val="50000"/>
+                      </a:schemeClr>
+                    </a:solidFill>
+                  </a:rPr>
+                  <a:t>name</a:t>
+                </a:r>
+                <a:r>
+                  <a:rPr lang="fr-FR" sz="1600" b="1" dirty="0">
+                    <a:solidFill>
+                      <a:schemeClr val="bg1">
+                        <a:lumMod val="50000"/>
+                      </a:schemeClr>
+                    </a:solidFill>
+                  </a:rPr>
+                  <a:t>: </a:t>
+                </a:r>
+                <a:r>
+                  <a:rPr lang="fr-FR" sz="1600" dirty="0" err="1">
+                    <a:solidFill>
+                      <a:schemeClr val="bg1">
+                        <a:lumMod val="50000"/>
+                      </a:schemeClr>
+                    </a:solidFill>
+                  </a:rPr>
+                  <a:t>clicked_point</a:t>
+                </a:r>
+                <a:endParaRPr lang="fr-FR" sz="1600" dirty="0">
+                  <a:solidFill>
+                    <a:schemeClr val="bg1">
+                      <a:lumMod val="50000"/>
+                    </a:schemeClr>
+                  </a:solidFill>
+                </a:endParaRPr>
+              </a:p>
+              <a:p>
+                <a:pPr algn="ctr"/>
+                <a:r>
+                  <a:rPr lang="fr-FR" sz="1600" b="1" dirty="0">
+                    <a:solidFill>
+                      <a:schemeClr val="bg1">
+                        <a:lumMod val="50000"/>
+                      </a:schemeClr>
+                    </a:solidFill>
+                  </a:rPr>
+                  <a:t>Type: </a:t>
+                </a:r>
+                <a:r>
+                  <a:rPr lang="fr-FR" sz="1600" dirty="0" err="1">
+                    <a:solidFill>
+                      <a:schemeClr val="bg1">
+                        <a:lumMod val="50000"/>
+                      </a:schemeClr>
+                    </a:solidFill>
+                  </a:rPr>
+                  <a:t>geometry_messages</a:t>
+                </a:r>
+                <a:r>
+                  <a:rPr lang="fr-FR" sz="1600" dirty="0">
+                    <a:solidFill>
+                      <a:schemeClr val="bg1">
+                        <a:lumMod val="50000"/>
+                      </a:schemeClr>
+                    </a:solidFill>
+                  </a:rPr>
+                  <a:t>/</a:t>
+                </a:r>
+                <a:r>
+                  <a:rPr lang="fr-FR" sz="1600" dirty="0" err="1">
+                    <a:solidFill>
+                      <a:schemeClr val="bg1">
+                        <a:lumMod val="50000"/>
+                      </a:schemeClr>
+                    </a:solidFill>
+                  </a:rPr>
+                  <a:t>PointStamped</a:t>
+                </a:r>
+                <a:endParaRPr lang="fr-FR" sz="1600" dirty="0">
+                  <a:solidFill>
+                    <a:schemeClr val="bg1">
+                      <a:lumMod val="50000"/>
+                    </a:schemeClr>
+                  </a:solidFill>
+                </a:endParaRPr>
+              </a:p>
+            </p:txBody>
+          </p:sp>
+          <p:cxnSp>
+            <p:nvCxnSpPr>
+              <p:cNvPr id="39" name="Connecteur droit avec flèche 13">
+                <a:extLst>
+                  <a:ext uri="{FF2B5EF4-FFF2-40B4-BE49-F238E27FC236}">
+                    <a16:creationId xmlns:a16="http://schemas.microsoft.com/office/drawing/2014/main" id="{97B414AE-6FC1-3F41-4780-D68C577BC039}"/>
+                  </a:ext>
+                </a:extLst>
+              </p:cNvPr>
+              <p:cNvCxnSpPr>
+                <a:cxnSpLocks/>
+                <a:stCxn id="38" idx="3"/>
+                <a:endCxn id="5" idx="2"/>
+              </p:cNvCxnSpPr>
+              <p:nvPr/>
+            </p:nvCxnSpPr>
+            <p:spPr>
+              <a:xfrm flipV="1">
+                <a:off x="4587052" y="3116922"/>
+                <a:ext cx="1591610" cy="711073"/>
+              </a:xfrm>
+              <a:prstGeom prst="bentConnector2">
+                <a:avLst/>
+              </a:prstGeom>
+              <a:ln>
+                <a:solidFill>
+                  <a:srgbClr val="00B0F0"/>
+                </a:solidFill>
+                <a:tailEnd type="triangle"/>
+              </a:ln>
+            </p:spPr>
+            <p:style>
+              <a:lnRef idx="2">
+                <a:schemeClr val="accent1"/>
+              </a:lnRef>
+              <a:fillRef idx="0">
+                <a:schemeClr val="accent1"/>
+              </a:fillRef>
+              <a:effectRef idx="1">
+                <a:schemeClr val="accent1"/>
+              </a:effectRef>
+              <a:fontRef idx="minor">
+                <a:schemeClr val="tx1"/>
+              </a:fontRef>
+            </p:style>
+          </p:cxnSp>
         </p:grpSp>
-        <p:sp>
-          <p:nvSpPr>
-            <p:cNvPr id="33" name="Rectangle : coins arrondis 32">
-              <a:extLst>
-                <a:ext uri="{FF2B5EF4-FFF2-40B4-BE49-F238E27FC236}">
-                  <a16:creationId xmlns:a16="http://schemas.microsoft.com/office/drawing/2014/main" id="{192B1C9D-3C0B-4737-8196-41BEB9BD2359}"/>
-                </a:ext>
-              </a:extLst>
-            </p:cNvPr>
-            <p:cNvSpPr/>
-            <p:nvPr/>
-          </p:nvSpPr>
-          <p:spPr>
-            <a:xfrm>
-              <a:off x="4794372" y="5299566"/>
-              <a:ext cx="2810577" cy="825576"/>
-            </a:xfrm>
-            <a:prstGeom prst="roundRect">
-              <a:avLst>
-                <a:gd name="adj" fmla="val 0"/>
-              </a:avLst>
-            </a:prstGeom>
-            <a:noFill/>
-            <a:ln>
-              <a:solidFill>
-                <a:srgbClr val="7030A0"/>
-              </a:solidFill>
-            </a:ln>
-          </p:spPr>
-          <p:style>
-            <a:lnRef idx="2">
-              <a:schemeClr val="accent1">
-                <a:shade val="50000"/>
-              </a:schemeClr>
-            </a:lnRef>
-            <a:fillRef idx="1">
-              <a:schemeClr val="accent1"/>
-            </a:fillRef>
-            <a:effectRef idx="0">
-              <a:schemeClr val="accent1"/>
-            </a:effectRef>
-            <a:fontRef idx="minor">
-              <a:schemeClr val="lt1"/>
-            </a:fontRef>
-          </p:style>
-          <p:txBody>
-            <a:bodyPr rtlCol="0" anchor="ctr"/>
-            <a:lstStyle/>
-            <a:p>
-              <a:pPr algn="ctr"/>
-              <a:r>
-                <a:rPr lang="fr-FR" sz="1600" dirty="0" err="1">
-                  <a:solidFill>
-                    <a:srgbClr val="7030A0"/>
-                  </a:solidFill>
-                </a:rPr>
-                <a:t>External</a:t>
-              </a:r>
-              <a:r>
-                <a:rPr lang="fr-FR" sz="1600" dirty="0">
-                  <a:solidFill>
-                    <a:srgbClr val="7030A0"/>
-                  </a:solidFill>
-                </a:rPr>
-                <a:t> custom program or CALL-M CLIENT default one.</a:t>
-              </a:r>
-            </a:p>
-          </p:txBody>
-        </p:sp>
-        <p:cxnSp>
-          <p:nvCxnSpPr>
-            <p:cNvPr id="34" name="Connecteur droit avec flèche 13">
-              <a:extLst>
-                <a:ext uri="{FF2B5EF4-FFF2-40B4-BE49-F238E27FC236}">
-                  <a16:creationId xmlns:a16="http://schemas.microsoft.com/office/drawing/2014/main" id="{3DCA92D6-1EC5-489C-B3A3-84941ABCDD65}"/>
-                </a:ext>
-              </a:extLst>
-            </p:cNvPr>
-            <p:cNvCxnSpPr>
-              <a:cxnSpLocks/>
-              <a:stCxn id="11" idx="2"/>
-              <a:endCxn id="33" idx="3"/>
-            </p:cNvCxnSpPr>
-            <p:nvPr/>
-          </p:nvCxnSpPr>
-          <p:spPr>
-            <a:xfrm rot="5400000">
-              <a:off x="7839109" y="2603049"/>
-              <a:ext cx="2875145" cy="3343464"/>
-            </a:xfrm>
-            <a:prstGeom prst="bentConnector2">
-              <a:avLst/>
-            </a:prstGeom>
-            <a:ln>
-              <a:solidFill>
-                <a:srgbClr val="7030A0"/>
-              </a:solidFill>
-              <a:tailEnd type="triangle"/>
-            </a:ln>
-          </p:spPr>
-          <p:style>
-            <a:lnRef idx="2">
-              <a:schemeClr val="accent1"/>
-            </a:lnRef>
-            <a:fillRef idx="0">
-              <a:schemeClr val="accent1"/>
-            </a:fillRef>
-            <a:effectRef idx="1">
-              <a:schemeClr val="accent1"/>
-            </a:effectRef>
-            <a:fontRef idx="minor">
-              <a:schemeClr val="tx1"/>
-            </a:fontRef>
-          </p:style>
-        </p:cxnSp>
-        <p:cxnSp>
-          <p:nvCxnSpPr>
-            <p:cNvPr id="37" name="Connecteur droit avec flèche 13">
-              <a:extLst>
-                <a:ext uri="{FF2B5EF4-FFF2-40B4-BE49-F238E27FC236}">
-                  <a16:creationId xmlns:a16="http://schemas.microsoft.com/office/drawing/2014/main" id="{C6A41ACD-CC0F-4589-941C-B42A8E292587}"/>
-                </a:ext>
-              </a:extLst>
-            </p:cNvPr>
-            <p:cNvCxnSpPr>
-              <a:cxnSpLocks/>
-              <a:stCxn id="33" idx="1"/>
-              <a:endCxn id="13" idx="2"/>
-            </p:cNvCxnSpPr>
-            <p:nvPr/>
-          </p:nvCxnSpPr>
-          <p:spPr>
-            <a:xfrm rot="10800000">
-              <a:off x="2450756" y="4551728"/>
-              <a:ext cx="2343617" cy="1160627"/>
-            </a:xfrm>
-            <a:prstGeom prst="bentConnector2">
-              <a:avLst/>
-            </a:prstGeom>
-            <a:ln>
-              <a:solidFill>
-                <a:srgbClr val="7030A0"/>
-              </a:solidFill>
-              <a:tailEnd type="triangle"/>
-            </a:ln>
-          </p:spPr>
-          <p:style>
-            <a:lnRef idx="2">
-              <a:schemeClr val="accent1"/>
-            </a:lnRef>
-            <a:fillRef idx="0">
-              <a:schemeClr val="accent1"/>
-            </a:fillRef>
-            <a:effectRef idx="1">
-              <a:schemeClr val="accent1"/>
-            </a:effectRef>
-            <a:fontRef idx="minor">
-              <a:schemeClr val="tx1"/>
-            </a:fontRef>
-          </p:style>
-        </p:cxnSp>
       </p:grpSp>
       <p:pic>
         <p:nvPicPr>
-          <p:cNvPr id="42" name="Image 41">
+          <p:cNvPr id="45" name="Picture 44">
             <a:extLst>
               <a:ext uri="{FF2B5EF4-FFF2-40B4-BE49-F238E27FC236}">
-                <a16:creationId xmlns:a16="http://schemas.microsoft.com/office/drawing/2014/main" id="{B40A3E6B-E32E-492E-BE34-DE655222C644}"/>
+                <a16:creationId xmlns:a16="http://schemas.microsoft.com/office/drawing/2014/main" id="{A3CF4C2E-E9D0-10C4-8E5E-1F27F4ECE537}"/>
               </a:ext>
             </a:extLst>
           </p:cNvPr>
@@ -6612,14 +6882,13 @@
         </p:nvPicPr>
         <p:blipFill>
           <a:blip r:embed="rId2"/>
-          <a:stretch>
-            <a:fillRect/>
-          </a:stretch>
+          <a:srcRect l="1184" t="3944" r="3948" b="5063"/>
+          <a:stretch/>
         </p:blipFill>
         <p:spPr>
           <a:xfrm>
-            <a:off x="470692" y="834927"/>
-            <a:ext cx="10711600" cy="5188146"/>
+            <a:off x="242893" y="-3219"/>
+            <a:ext cx="11566358" cy="6240281"/>
           </a:xfrm>
           <a:prstGeom prst="rect">
             <a:avLst/>
